--- a/resources/assets/document-templates/gl-ES/new.pptx
+++ b/resources/assets/document-templates/gl-ES/new.pptx
@@ -668,7 +668,7 @@
           <a:p>
             <a:r>
               <a:rPr lang="gl-ES" smtClean="0"/>
-              <a:t>Click to edit Master subtitle style</a:t>
+              <a:t>Prema para editar o estilo do subtítulo do padrón</a:t>
             </a:r>
             <a:endParaRPr lang="gl-ES" dirty="0"/>
           </a:p>
@@ -1666,7 +1666,7 @@
             <a:pPr lvl="4"/>
             <a:r>
               <a:rPr lang="gl-ES" smtClean="0"/>
-              <a:t>FQuinto nivel</a:t>
+              <a:t>Quinto nivel</a:t>
             </a:r>
             <a:endParaRPr lang="gl-ES" dirty="0"/>
           </a:p>
@@ -2715,7 +2715,7 @@
           <a:p>
             <a:r>
               <a:rPr lang="gl-ES" smtClean="0"/>
-              <a:t>Click icon to add picture</a:t>
+              <a:t>Fai clic na icona para engadir unha imaxe</a:t>
             </a:r>
             <a:endParaRPr lang="gl-ES" dirty="0"/>
           </a:p>
